--- a/Popya/docs/Presentation.pptx
+++ b/Popya/docs/Presentation.pptx
@@ -5,7 +5,7 @@
     <p:sldMasterId id="2147483672" r:id="rId1"/>
   </p:sldMasterIdLst>
   <p:notesMasterIdLst>
-    <p:notesMasterId r:id="rId14"/>
+    <p:notesMasterId r:id="rId13"/>
   </p:notesMasterIdLst>
   <p:sldIdLst>
     <p:sldId id="256" r:id="rId2"/>
@@ -18,8 +18,7 @@
     <p:sldId id="264" r:id="rId9"/>
     <p:sldId id="265" r:id="rId10"/>
     <p:sldId id="260" r:id="rId11"/>
-    <p:sldId id="262" r:id="rId12"/>
-    <p:sldId id="261" r:id="rId13"/>
+    <p:sldId id="261" r:id="rId12"/>
   </p:sldIdLst>
   <p:sldSz cx="9144000" cy="6858000" type="screen4x3"/>
   <p:notesSz cx="6858000" cy="9144000"/>
@@ -5331,7 +5330,98 @@
           <a:bodyPr/>
           <a:lstStyle/>
           <a:p>
-            <a:endParaRPr lang="de-AT"/>
+            <a:r>
+              <a:rPr lang="de-AT" dirty="0" smtClean="0"/>
+              <a:t>SOAP </a:t>
+            </a:r>
+            <a:r>
+              <a:rPr lang="de-AT" dirty="0" err="1" smtClean="0"/>
+              <a:t>for</a:t>
+            </a:r>
+            <a:r>
+              <a:rPr lang="de-AT" dirty="0" smtClean="0"/>
+              <a:t> </a:t>
+            </a:r>
+            <a:r>
+              <a:rPr lang="de-AT" dirty="0" err="1" smtClean="0"/>
+              <a:t>communication</a:t>
+            </a:r>
+            <a:endParaRPr lang="de-AT" dirty="0" smtClean="0"/>
+          </a:p>
+          <a:p>
+            <a:pPr lvl="1"/>
+            <a:r>
+              <a:rPr lang="de-AT" dirty="0" smtClean="0"/>
+              <a:t>Solution: </a:t>
+            </a:r>
+            <a:r>
+              <a:rPr lang="de-AT" dirty="0" err="1" smtClean="0"/>
+              <a:t>Use</a:t>
+            </a:r>
+            <a:r>
+              <a:rPr lang="de-AT" dirty="0" smtClean="0"/>
+              <a:t> </a:t>
+            </a:r>
+            <a:r>
+              <a:rPr lang="de-AT" dirty="0" err="1" smtClean="0"/>
+              <a:t>RESTful</a:t>
+            </a:r>
+            <a:r>
+              <a:rPr lang="de-AT" dirty="0" smtClean="0"/>
+              <a:t> </a:t>
+            </a:r>
+            <a:r>
+              <a:rPr lang="de-AT" dirty="0" err="1" smtClean="0"/>
+              <a:t>service</a:t>
+            </a:r>
+            <a:endParaRPr lang="de-AT" dirty="0"/>
+          </a:p>
+          <a:p>
+            <a:r>
+              <a:rPr lang="de-AT" dirty="0" smtClean="0"/>
+              <a:t>Update </a:t>
+            </a:r>
+            <a:r>
+              <a:rPr lang="de-AT" dirty="0" err="1" smtClean="0"/>
+              <a:t>message</a:t>
+            </a:r>
+            <a:r>
+              <a:rPr lang="de-AT" dirty="0" smtClean="0"/>
+              <a:t> </a:t>
+            </a:r>
+            <a:r>
+              <a:rPr lang="de-AT" dirty="0" err="1" smtClean="0"/>
+              <a:t>list</a:t>
+            </a:r>
+            <a:r>
+              <a:rPr lang="de-AT" dirty="0" smtClean="0"/>
+              <a:t> </a:t>
+            </a:r>
+            <a:r>
+              <a:rPr lang="de-AT" dirty="0" err="1" smtClean="0"/>
+              <a:t>properly</a:t>
+            </a:r>
+            <a:endParaRPr lang="de-AT" dirty="0" smtClean="0"/>
+          </a:p>
+          <a:p>
+            <a:pPr lvl="1"/>
+            <a:r>
+              <a:rPr lang="de-AT" dirty="0" smtClean="0"/>
+              <a:t>Solution: </a:t>
+            </a:r>
+            <a:r>
+              <a:rPr lang="de-AT" dirty="0" err="1" smtClean="0"/>
+              <a:t>Fire</a:t>
+            </a:r>
+            <a:r>
+              <a:rPr lang="de-AT" dirty="0" smtClean="0"/>
+              <a:t> </a:t>
+            </a:r>
+            <a:r>
+              <a:rPr lang="de-AT" dirty="0" err="1" smtClean="0"/>
+              <a:t>DataChangeEvent</a:t>
+            </a:r>
+            <a:endParaRPr lang="de-AT" dirty="0" smtClean="0"/>
           </a:p>
         </p:txBody>
       </p:sp>
@@ -5421,7 +5511,7 @@
           <a:p>
             <a:r>
               <a:rPr lang="de-AT" dirty="0" smtClean="0"/>
-              <a:t>Problems</a:t>
+              <a:t>Problems &amp; Solutions</a:t>
             </a:r>
             <a:endParaRPr lang="de-AT" dirty="0"/>
           </a:p>
@@ -5466,25 +5556,6 @@
       </p:grpSpPr>
       <p:sp>
         <p:nvSpPr>
-          <p:cNvPr id="2" name="Inhaltsplatzhalter 1"/>
-          <p:cNvSpPr>
-            <a:spLocks noGrp="1"/>
-          </p:cNvSpPr>
-          <p:nvPr>
-            <p:ph idx="1"/>
-          </p:nvPr>
-        </p:nvSpPr>
-        <p:spPr/>
-        <p:txBody>
-          <a:bodyPr/>
-          <a:lstStyle/>
-          <a:p>
-            <a:endParaRPr lang="de-AT"/>
-          </a:p>
-        </p:txBody>
-      </p:sp>
-      <p:sp>
-        <p:nvSpPr>
           <p:cNvPr id="3" name="Datumsplatzhalter 2"/>
           <p:cNvSpPr>
             <a:spLocks noGrp="1"/>
@@ -5547,135 +5618,6 @@
             <a:fld id="{7FD37885-C7C4-4F02-9B7A-A7BC84AC6AA0}" type="slidenum">
               <a:rPr lang="de-AT" smtClean="0"/>
               <a:t>11</a:t>
-            </a:fld>
-            <a:endParaRPr lang="de-AT"/>
-          </a:p>
-        </p:txBody>
-      </p:sp>
-      <p:sp>
-        <p:nvSpPr>
-          <p:cNvPr id="6" name="Titel 5"/>
-          <p:cNvSpPr>
-            <a:spLocks noGrp="1"/>
-          </p:cNvSpPr>
-          <p:nvPr>
-            <p:ph type="title"/>
-          </p:nvPr>
-        </p:nvSpPr>
-        <p:spPr/>
-        <p:txBody>
-          <a:bodyPr/>
-          <a:lstStyle/>
-          <a:p>
-            <a:r>
-              <a:rPr lang="de-AT" dirty="0" smtClean="0"/>
-              <a:t>Solutions</a:t>
-            </a:r>
-            <a:endParaRPr lang="de-AT" dirty="0"/>
-          </a:p>
-        </p:txBody>
-      </p:sp>
-    </p:spTree>
-    <p:extLst>
-      <p:ext uri="{BB962C8B-B14F-4D97-AF65-F5344CB8AC3E}">
-        <p14:creationId xmlns:p14="http://schemas.microsoft.com/office/powerpoint/2010/main" val="2522358914"/>
-      </p:ext>
-    </p:extLst>
-  </p:cSld>
-  <p:clrMapOvr>
-    <a:masterClrMapping/>
-  </p:clrMapOvr>
-  <p:timing>
-    <p:tnLst>
-      <p:par>
-        <p:cTn id="1" dur="indefinite" restart="never" nodeType="tmRoot"/>
-      </p:par>
-    </p:tnLst>
-  </p:timing>
-</p:sld>
-</file>
-
-<file path=ppt/slides/slide12.xml><?xml version="1.0" encoding="utf-8"?>
-<p:sld xmlns:a="http://schemas.openxmlformats.org/drawingml/2006/main" xmlns:r="http://schemas.openxmlformats.org/officeDocument/2006/relationships" xmlns:p="http://schemas.openxmlformats.org/presentationml/2006/main">
-  <p:cSld>
-    <p:spTree>
-      <p:nvGrpSpPr>
-        <p:cNvPr id="1" name=""/>
-        <p:cNvGrpSpPr/>
-        <p:nvPr/>
-      </p:nvGrpSpPr>
-      <p:grpSpPr>
-        <a:xfrm>
-          <a:off x="0" y="0"/>
-          <a:ext cx="0" cy="0"/>
-          <a:chOff x="0" y="0"/>
-          <a:chExt cx="0" cy="0"/>
-        </a:xfrm>
-      </p:grpSpPr>
-      <p:sp>
-        <p:nvSpPr>
-          <p:cNvPr id="3" name="Datumsplatzhalter 2"/>
-          <p:cNvSpPr>
-            <a:spLocks noGrp="1"/>
-          </p:cNvSpPr>
-          <p:nvPr>
-            <p:ph type="dt" sz="half" idx="10"/>
-          </p:nvPr>
-        </p:nvSpPr>
-        <p:spPr/>
-        <p:txBody>
-          <a:bodyPr/>
-          <a:lstStyle/>
-          <a:p>
-            <a:fld id="{78DD3ADE-3785-4F18-93E5-D04CE1BF4F96}" type="datetime1">
-              <a:rPr lang="de-AT" smtClean="0"/>
-              <a:t>18.06.2012</a:t>
-            </a:fld>
-            <a:endParaRPr lang="de-AT"/>
-          </a:p>
-        </p:txBody>
-      </p:sp>
-      <p:sp>
-        <p:nvSpPr>
-          <p:cNvPr id="4" name="Fußzeilenplatzhalter 3"/>
-          <p:cNvSpPr>
-            <a:spLocks noGrp="1"/>
-          </p:cNvSpPr>
-          <p:nvPr>
-            <p:ph type="ftr" sz="quarter" idx="11"/>
-          </p:nvPr>
-        </p:nvSpPr>
-        <p:spPr/>
-        <p:txBody>
-          <a:bodyPr/>
-          <a:lstStyle/>
-          <a:p>
-            <a:r>
-              <a:rPr lang="de-AT" smtClean="0"/>
-              <a:t>Luuk Wullink, Michael Sieber</a:t>
-            </a:r>
-            <a:endParaRPr lang="de-AT"/>
-          </a:p>
-        </p:txBody>
-      </p:sp>
-      <p:sp>
-        <p:nvSpPr>
-          <p:cNvPr id="5" name="Foliennummernplatzhalter 4"/>
-          <p:cNvSpPr>
-            <a:spLocks noGrp="1"/>
-          </p:cNvSpPr>
-          <p:nvPr>
-            <p:ph type="sldNum" sz="quarter" idx="12"/>
-          </p:nvPr>
-        </p:nvSpPr>
-        <p:spPr/>
-        <p:txBody>
-          <a:bodyPr/>
-          <a:lstStyle/>
-          <a:p>
-            <a:fld id="{7FD37885-C7C4-4F02-9B7A-A7BC84AC6AA0}" type="slidenum">
-              <a:rPr lang="de-AT" smtClean="0"/>
-              <a:t>12</a:t>
             </a:fld>
             <a:endParaRPr lang="de-AT"/>
           </a:p>
@@ -5820,14 +5762,9 @@
           <a:p>
             <a:r>
               <a:rPr lang="de-AT" dirty="0" smtClean="0"/>
-              <a:t>Problems</a:t>
-            </a:r>
-          </a:p>
-          <a:p>
-            <a:r>
-              <a:rPr lang="de-AT" dirty="0" smtClean="0"/>
-              <a:t>Solutions</a:t>
-            </a:r>
+              <a:t>Problems &amp; Solutions</a:t>
+            </a:r>
+            <a:endParaRPr lang="de-AT" dirty="0" smtClean="0"/>
           </a:p>
           <a:p>
             <a:r>
@@ -6209,7 +6146,7 @@
           <a:graphicData uri="http://schemas.openxmlformats.org/presentationml/2006/ole">
             <mc:AlternateContent xmlns:mc="http://schemas.openxmlformats.org/markup-compatibility/2006">
               <mc:Choice xmlns:v="urn:schemas-microsoft-com:vml" Requires="v">
-                <p:oleObj spid="_x0000_s1037" name="Visio" r:id="rId3" imgW="6167609" imgH="4817505" progId="Visio.Drawing.11">
+                <p:oleObj spid="_x0000_s1043" name="Visio" r:id="rId3" imgW="6167609" imgH="4817505" progId="Visio.Drawing.11">
                   <p:embed/>
                 </p:oleObj>
               </mc:Choice>
@@ -7164,7 +7101,97 @@
           <a:bodyPr/>
           <a:lstStyle/>
           <a:p>
-            <a:endParaRPr lang="de-AT"/>
+            <a:r>
+              <a:rPr lang="de-AT" dirty="0" err="1" smtClean="0"/>
+              <a:t>Tomcat</a:t>
+            </a:r>
+            <a:r>
+              <a:rPr lang="de-AT" dirty="0" smtClean="0"/>
+              <a:t> 6</a:t>
+            </a:r>
+          </a:p>
+          <a:p>
+            <a:r>
+              <a:rPr lang="de-AT" dirty="0" smtClean="0"/>
+              <a:t>Jersey JAX-RS Framework</a:t>
+            </a:r>
+          </a:p>
+          <a:p>
+            <a:r>
+              <a:rPr lang="de-AT" dirty="0" smtClean="0"/>
+              <a:t>Google </a:t>
+            </a:r>
+            <a:r>
+              <a:rPr lang="de-AT" dirty="0" err="1" smtClean="0"/>
+              <a:t>Guava</a:t>
+            </a:r>
+            <a:r>
+              <a:rPr lang="de-AT" dirty="0" smtClean="0"/>
+              <a:t> </a:t>
+            </a:r>
+            <a:r>
+              <a:rPr lang="de-AT" dirty="0" err="1" smtClean="0"/>
+              <a:t>for</a:t>
+            </a:r>
+            <a:r>
+              <a:rPr lang="de-AT" dirty="0" smtClean="0"/>
+              <a:t> Caching (</a:t>
+            </a:r>
+            <a:r>
+              <a:rPr lang="de-AT" dirty="0" err="1" smtClean="0"/>
+              <a:t>with</a:t>
+            </a:r>
+            <a:r>
+              <a:rPr lang="de-AT" dirty="0" smtClean="0"/>
+              <a:t> </a:t>
+            </a:r>
+            <a:r>
+              <a:rPr lang="de-AT" dirty="0" err="1" smtClean="0"/>
+              <a:t>expiration</a:t>
+            </a:r>
+            <a:r>
+              <a:rPr lang="de-AT" dirty="0" smtClean="0"/>
+              <a:t>)</a:t>
+            </a:r>
+          </a:p>
+          <a:p>
+            <a:r>
+              <a:rPr lang="de-AT" dirty="0" err="1" smtClean="0"/>
+              <a:t>Haversine</a:t>
+            </a:r>
+            <a:r>
+              <a:rPr lang="de-AT" dirty="0" smtClean="0"/>
+              <a:t> </a:t>
+            </a:r>
+            <a:r>
+              <a:rPr lang="de-AT" dirty="0" err="1" smtClean="0"/>
+              <a:t>algorithm</a:t>
+            </a:r>
+            <a:r>
+              <a:rPr lang="de-AT" dirty="0" smtClean="0"/>
+              <a:t> </a:t>
+            </a:r>
+            <a:r>
+              <a:rPr lang="de-AT" dirty="0" err="1" smtClean="0"/>
+              <a:t>for</a:t>
+            </a:r>
+            <a:r>
+              <a:rPr lang="de-AT" dirty="0" smtClean="0"/>
+              <a:t> </a:t>
+            </a:r>
+            <a:r>
+              <a:rPr lang="de-AT" dirty="0" err="1" smtClean="0"/>
+              <a:t>distance</a:t>
+            </a:r>
+            <a:r>
+              <a:rPr lang="de-AT" dirty="0" smtClean="0"/>
+              <a:t> </a:t>
+            </a:r>
+            <a:r>
+              <a:rPr lang="de-AT" dirty="0" err="1" smtClean="0"/>
+              <a:t>calculation</a:t>
+            </a:r>
+            <a:endParaRPr lang="de-AT" dirty="0"/>
           </a:p>
         </p:txBody>
       </p:sp>

--- a/Popya/docs/Presentation.pptx
+++ b/Popya/docs/Presentation.pptx
@@ -5423,6 +5423,73 @@
             </a:r>
             <a:endParaRPr lang="de-AT" dirty="0" smtClean="0"/>
           </a:p>
+          <a:p>
+            <a:r>
+              <a:rPr lang="de-AT" dirty="0" err="1" smtClean="0"/>
+              <a:t>Wrong</a:t>
+            </a:r>
+            <a:r>
+              <a:rPr lang="de-AT" dirty="0" smtClean="0"/>
+              <a:t> </a:t>
+            </a:r>
+            <a:r>
+              <a:rPr lang="de-AT" dirty="0" err="1" smtClean="0"/>
+              <a:t>listener</a:t>
+            </a:r>
+            <a:r>
+              <a:rPr lang="de-AT" dirty="0" smtClean="0"/>
+              <a:t> </a:t>
+            </a:r>
+            <a:r>
+              <a:rPr lang="de-AT" dirty="0" err="1" smtClean="0"/>
+              <a:t>method</a:t>
+            </a:r>
+            <a:endParaRPr lang="de-AT" dirty="0" smtClean="0"/>
+          </a:p>
+          <a:p>
+            <a:pPr lvl="1"/>
+            <a:r>
+              <a:rPr lang="de-AT" dirty="0" smtClean="0"/>
+              <a:t>Solution: </a:t>
+            </a:r>
+            <a:r>
+              <a:rPr lang="de-AT" dirty="0" err="1" smtClean="0"/>
+              <a:t>Use</a:t>
+            </a:r>
+            <a:r>
+              <a:rPr lang="de-AT" dirty="0" smtClean="0"/>
+              <a:t> </a:t>
+            </a:r>
+            <a:r>
+              <a:rPr lang="de-AT" dirty="0" err="1" smtClean="0"/>
+              <a:t>onStart</a:t>
+            </a:r>
+            <a:r>
+              <a:rPr lang="de-AT" dirty="0" smtClean="0"/>
+              <a:t> </a:t>
+            </a:r>
+            <a:r>
+              <a:rPr lang="de-AT" dirty="0" err="1" smtClean="0"/>
+              <a:t>instead</a:t>
+            </a:r>
+            <a:r>
+              <a:rPr lang="de-AT" dirty="0" smtClean="0"/>
+              <a:t> </a:t>
+            </a:r>
+            <a:r>
+              <a:rPr lang="de-AT" dirty="0" err="1" smtClean="0"/>
+              <a:t>of</a:t>
+            </a:r>
+            <a:r>
+              <a:rPr lang="de-AT" dirty="0" smtClean="0"/>
+              <a:t> </a:t>
+            </a:r>
+            <a:r>
+              <a:rPr lang="de-AT" smtClean="0"/>
+              <a:t>onCreate</a:t>
+            </a:r>
+            <a:endParaRPr lang="de-AT" dirty="0" smtClean="0"/>
+          </a:p>
         </p:txBody>
       </p:sp>
       <p:sp>
@@ -5764,7 +5831,6 @@
               <a:rPr lang="de-AT" dirty="0" smtClean="0"/>
               <a:t>Problems &amp; Solutions</a:t>
             </a:r>
-            <a:endParaRPr lang="de-AT" dirty="0" smtClean="0"/>
           </a:p>
           <a:p>
             <a:r>
@@ -6146,7 +6212,7 @@
           <a:graphicData uri="http://schemas.openxmlformats.org/presentationml/2006/ole">
             <mc:AlternateContent xmlns:mc="http://schemas.openxmlformats.org/markup-compatibility/2006">
               <mc:Choice xmlns:v="urn:schemas-microsoft-com:vml" Requires="v">
-                <p:oleObj spid="_x0000_s1043" name="Visio" r:id="rId3" imgW="6167609" imgH="4817505" progId="Visio.Drawing.11">
+                <p:oleObj spid="_x0000_s1044" name="Visio" r:id="rId3" imgW="6167609" imgH="4817505" progId="Visio.Drawing.11">
                   <p:embed/>
                 </p:oleObj>
               </mc:Choice>

--- a/Popya/docs/Presentation.pptx
+++ b/Popya/docs/Presentation.pptx
@@ -202,7 +202,7 @@
           <a:p>
             <a:fld id="{8816BB4D-EB0F-42E5-A9B4-24A03AFF9345}" type="datetimeFigureOut">
               <a:rPr lang="de-AT" smtClean="0"/>
-              <a:t>18.06.2012</a:t>
+              <a:t>20.06.2012</a:t>
             </a:fld>
             <a:endParaRPr lang="de-AT"/>
           </a:p>
@@ -1179,7 +1179,7 @@
           <a:p>
             <a:fld id="{7224D1BD-6E5B-443D-8CD4-CAA610A5FE02}" type="datetime1">
               <a:rPr lang="de-AT" smtClean="0"/>
-              <a:t>18.06.2012</a:t>
+              <a:t>20.06.2012</a:t>
             </a:fld>
             <a:endParaRPr lang="de-AT"/>
           </a:p>
@@ -1379,7 +1379,7 @@
           <a:p>
             <a:fld id="{287144CB-DDCB-49EE-91EE-28766BCB8171}" type="datetime1">
               <a:rPr lang="de-AT" smtClean="0"/>
-              <a:t>18.06.2012</a:t>
+              <a:t>20.06.2012</a:t>
             </a:fld>
             <a:endParaRPr lang="de-AT"/>
           </a:p>
@@ -1568,7 +1568,7 @@
           <a:p>
             <a:fld id="{5BD3FB18-7775-427D-9B55-48E180BB2E54}" type="datetime1">
               <a:rPr lang="de-AT" smtClean="0"/>
-              <a:t>18.06.2012</a:t>
+              <a:t>20.06.2012</a:t>
             </a:fld>
             <a:endParaRPr lang="de-AT"/>
           </a:p>
@@ -1722,7 +1722,7 @@
           <a:p>
             <a:fld id="{78DD3ADE-3785-4F18-93E5-D04CE1BF4F96}" type="datetime1">
               <a:rPr lang="de-AT" smtClean="0"/>
-              <a:t>18.06.2012</a:t>
+              <a:t>20.06.2012</a:t>
             </a:fld>
             <a:endParaRPr lang="de-AT"/>
           </a:p>
@@ -1981,7 +1981,7 @@
           <a:p>
             <a:fld id="{6B4BE4D5-B37B-430D-9316-D39A5F551AEA}" type="datetime1">
               <a:rPr lang="de-AT" smtClean="0"/>
-              <a:t>18.06.2012</a:t>
+              <a:t>20.06.2012</a:t>
             </a:fld>
             <a:endParaRPr lang="de-AT"/>
           </a:p>
@@ -2394,7 +2394,7 @@
           <a:p>
             <a:fld id="{90B37A67-3072-4BE5-A957-F161BCF6C405}" type="datetime1">
               <a:rPr lang="de-AT" smtClean="0"/>
-              <a:t>18.06.2012</a:t>
+              <a:t>20.06.2012</a:t>
             </a:fld>
             <a:endParaRPr lang="de-AT"/>
           </a:p>
@@ -2844,7 +2844,7 @@
           <a:p>
             <a:fld id="{C41E8E6F-1D3F-4A9B-A8BD-2F663AEAB09C}" type="datetime1">
               <a:rPr lang="de-AT" smtClean="0"/>
-              <a:t>18.06.2012</a:t>
+              <a:t>20.06.2012</a:t>
             </a:fld>
             <a:endParaRPr lang="de-AT"/>
           </a:p>
@@ -2949,7 +2949,7 @@
           <a:p>
             <a:fld id="{283414CD-9CA1-4B10-B2B3-B6C29FB76E1F}" type="datetime1">
               <a:rPr lang="de-AT" smtClean="0"/>
-              <a:t>18.06.2012</a:t>
+              <a:t>20.06.2012</a:t>
             </a:fld>
             <a:endParaRPr lang="de-AT"/>
           </a:p>
@@ -3074,7 +3074,7 @@
           <a:p>
             <a:fld id="{15CB45CC-B4B7-4B18-8806-29AB1D40E213}" type="datetime1">
               <a:rPr lang="de-AT" smtClean="0"/>
-              <a:t>18.06.2012</a:t>
+              <a:t>20.06.2012</a:t>
             </a:fld>
             <a:endParaRPr lang="de-AT"/>
           </a:p>
@@ -3352,7 +3352,7 @@
           <a:p>
             <a:fld id="{D99635E6-DB72-469A-B185-0ECEDBD4D37E}" type="datetime1">
               <a:rPr lang="de-AT" smtClean="0"/>
-              <a:t>18.06.2012</a:t>
+              <a:t>20.06.2012</a:t>
             </a:fld>
             <a:endParaRPr lang="de-AT"/>
           </a:p>
@@ -3561,7 +3561,7 @@
           <a:p>
             <a:fld id="{6AD0C4C6-CC44-49CF-9962-CF2B0B85B158}" type="datetime1">
               <a:rPr lang="de-AT" smtClean="0"/>
-              <a:t>18.06.2012</a:t>
+              <a:t>20.06.2012</a:t>
             </a:fld>
             <a:endParaRPr lang="de-AT"/>
           </a:p>
@@ -4674,7 +4674,7 @@
           <a:p>
             <a:fld id="{DE43649E-427B-4BFC-BF46-9A6A86D1E91C}" type="datetime1">
               <a:rPr lang="de-AT" smtClean="0"/>
-              <a:t>18.06.2012</a:t>
+              <a:t>20.06.2012</a:t>
             </a:fld>
             <a:endParaRPr lang="de-AT"/>
           </a:p>
@@ -5185,7 +5185,7 @@
           <a:p>
             <a:fld id="{57DF52FD-EA5C-4EDE-8FE8-8296EAF3A748}" type="datetime1">
               <a:rPr lang="de-AT" smtClean="0"/>
-              <a:t>18.06.2012</a:t>
+              <a:t>20.06.2012</a:t>
             </a:fld>
             <a:endParaRPr lang="de-AT"/>
           </a:p>
@@ -5485,8 +5485,50 @@
               <a:t> </a:t>
             </a:r>
             <a:r>
+              <a:rPr lang="de-AT" dirty="0" err="1" smtClean="0"/>
+              <a:t>onCreate</a:t>
+            </a:r>
+            <a:endParaRPr lang="de-AT" dirty="0" smtClean="0"/>
+          </a:p>
+          <a:p>
+            <a:r>
+              <a:rPr lang="de-AT" dirty="0" smtClean="0"/>
+              <a:t>Non-UI Thread </a:t>
+            </a:r>
+            <a:r>
+              <a:rPr lang="de-AT" dirty="0" err="1" smtClean="0"/>
+              <a:t>tries</a:t>
+            </a:r>
+            <a:r>
+              <a:rPr lang="de-AT" dirty="0" smtClean="0"/>
+              <a:t> </a:t>
+            </a:r>
+            <a:r>
+              <a:rPr lang="de-AT" dirty="0" err="1" smtClean="0"/>
+              <a:t>to</a:t>
+            </a:r>
+            <a:r>
+              <a:rPr lang="de-AT" dirty="0" smtClean="0"/>
+              <a:t> </a:t>
+            </a:r>
+            <a:r>
+              <a:rPr lang="de-AT" dirty="0" err="1" smtClean="0"/>
+              <a:t>manipulate</a:t>
+            </a:r>
+            <a:r>
+              <a:rPr lang="de-AT" dirty="0" smtClean="0"/>
+              <a:t> UI</a:t>
+            </a:r>
+          </a:p>
+          <a:p>
+            <a:pPr lvl="1"/>
+            <a:r>
+              <a:rPr lang="de-AT" dirty="0" smtClean="0"/>
+              <a:t>Solution: </a:t>
+            </a:r>
+            <a:r>
               <a:rPr lang="de-AT" smtClean="0"/>
-              <a:t>onCreate</a:t>
+              <a:t>runOnUiThread</a:t>
             </a:r>
             <a:endParaRPr lang="de-AT" dirty="0" smtClean="0"/>
           </a:p>
@@ -5509,7 +5551,7 @@
           <a:p>
             <a:fld id="{78DD3ADE-3785-4F18-93E5-D04CE1BF4F96}" type="datetime1">
               <a:rPr lang="de-AT" smtClean="0"/>
-              <a:t>18.06.2012</a:t>
+              <a:t>20.06.2012</a:t>
             </a:fld>
             <a:endParaRPr lang="de-AT"/>
           </a:p>
@@ -5638,7 +5680,7 @@
           <a:p>
             <a:fld id="{78DD3ADE-3785-4F18-93E5-D04CE1BF4F96}" type="datetime1">
               <a:rPr lang="de-AT" smtClean="0"/>
-              <a:t>18.06.2012</a:t>
+              <a:t>20.06.2012</a:t>
             </a:fld>
             <a:endParaRPr lang="de-AT"/>
           </a:p>
@@ -5865,7 +5907,7 @@
           <a:p>
             <a:fld id="{78DD3ADE-3785-4F18-93E5-D04CE1BF4F96}" type="datetime1">
               <a:rPr lang="de-AT" smtClean="0"/>
-              <a:t>18.06.2012</a:t>
+              <a:t>20.06.2012</a:t>
             </a:fld>
             <a:endParaRPr lang="de-AT"/>
           </a:p>
@@ -6048,7 +6090,7 @@
           <a:p>
             <a:fld id="{78DD3ADE-3785-4F18-93E5-D04CE1BF4F96}" type="datetime1">
               <a:rPr lang="de-AT" smtClean="0"/>
-              <a:t>18.06.2012</a:t>
+              <a:t>20.06.2012</a:t>
             </a:fld>
             <a:endParaRPr lang="de-AT"/>
           </a:p>
@@ -6212,7 +6254,7 @@
           <a:graphicData uri="http://schemas.openxmlformats.org/presentationml/2006/ole">
             <mc:AlternateContent xmlns:mc="http://schemas.openxmlformats.org/markup-compatibility/2006">
               <mc:Choice xmlns:v="urn:schemas-microsoft-com:vml" Requires="v">
-                <p:oleObj spid="_x0000_s1044" name="Visio" r:id="rId3" imgW="6167609" imgH="4817505" progId="Visio.Drawing.11">
+                <p:oleObj spid="_x0000_s1045" name="Visio" r:id="rId3" imgW="6167609" imgH="4817505" progId="Visio.Drawing.11">
                   <p:embed/>
                 </p:oleObj>
               </mc:Choice>
@@ -6428,7 +6470,7 @@
           <a:p>
             <a:fld id="{78DD3ADE-3785-4F18-93E5-D04CE1BF4F96}" type="datetime1">
               <a:rPr lang="de-AT" smtClean="0"/>
-              <a:t>18.06.2012</a:t>
+              <a:t>20.06.2012</a:t>
             </a:fld>
             <a:endParaRPr lang="de-AT"/>
           </a:p>
@@ -6652,7 +6694,7 @@
           <a:p>
             <a:fld id="{78DD3ADE-3785-4F18-93E5-D04CE1BF4F96}" type="datetime1">
               <a:rPr lang="de-AT" smtClean="0"/>
-              <a:t>18.06.2012</a:t>
+              <a:t>20.06.2012</a:t>
             </a:fld>
             <a:endParaRPr lang="de-AT"/>
           </a:p>
@@ -6872,7 +6914,7 @@
           <a:p>
             <a:fld id="{78DD3ADE-3785-4F18-93E5-D04CE1BF4F96}" type="datetime1">
               <a:rPr lang="de-AT" smtClean="0"/>
-              <a:t>18.06.2012</a:t>
+              <a:t>20.06.2012</a:t>
             </a:fld>
             <a:endParaRPr lang="de-AT"/>
           </a:p>
@@ -7001,7 +7043,7 @@
           <a:p>
             <a:fld id="{78DD3ADE-3785-4F18-93E5-D04CE1BF4F96}" type="datetime1">
               <a:rPr lang="de-AT" smtClean="0"/>
-              <a:t>18.06.2012</a:t>
+              <a:t>20.06.2012</a:t>
             </a:fld>
             <a:endParaRPr lang="de-AT"/>
           </a:p>
@@ -7278,7 +7320,7 @@
           <a:p>
             <a:fld id="{78DD3ADE-3785-4F18-93E5-D04CE1BF4F96}" type="datetime1">
               <a:rPr lang="de-AT" smtClean="0"/>
-              <a:t>18.06.2012</a:t>
+              <a:t>20.06.2012</a:t>
             </a:fld>
             <a:endParaRPr lang="de-AT"/>
           </a:p>
@@ -7426,7 +7468,7 @@
           <a:p>
             <a:fld id="{78DD3ADE-3785-4F18-93E5-D04CE1BF4F96}" type="datetime1">
               <a:rPr lang="de-AT" smtClean="0"/>
-              <a:t>18.06.2012</a:t>
+              <a:t>20.06.2012</a:t>
             </a:fld>
             <a:endParaRPr lang="de-AT"/>
           </a:p>

--- a/Popya/docs/Presentation.pptx
+++ b/Popya/docs/Presentation.pptx
@@ -5,7 +5,7 @@
     <p:sldMasterId id="2147483672" r:id="rId1"/>
   </p:sldMasterIdLst>
   <p:notesMasterIdLst>
-    <p:notesMasterId r:id="rId13"/>
+    <p:notesMasterId r:id="rId14"/>
   </p:notesMasterIdLst>
   <p:sldIdLst>
     <p:sldId id="256" r:id="rId2"/>
@@ -15,10 +15,11 @@
     <p:sldId id="266" r:id="rId6"/>
     <p:sldId id="263" r:id="rId7"/>
     <p:sldId id="267" r:id="rId8"/>
-    <p:sldId id="264" r:id="rId9"/>
-    <p:sldId id="265" r:id="rId10"/>
-    <p:sldId id="260" r:id="rId11"/>
-    <p:sldId id="261" r:id="rId12"/>
+    <p:sldId id="268" r:id="rId9"/>
+    <p:sldId id="264" r:id="rId10"/>
+    <p:sldId id="265" r:id="rId11"/>
+    <p:sldId id="260" r:id="rId12"/>
+    <p:sldId id="261" r:id="rId13"/>
   </p:sldIdLst>
   <p:sldSz cx="9144000" cy="6858000" type="screen4x3"/>
   <p:notesSz cx="6858000" cy="9144000"/>
@@ -202,7 +203,7 @@
           <a:p>
             <a:fld id="{8816BB4D-EB0F-42E5-A9B4-24A03AFF9345}" type="datetimeFigureOut">
               <a:rPr lang="de-AT" smtClean="0"/>
-              <a:t>20.06.2012</a:t>
+              <a:t>24.06.2012</a:t>
             </a:fld>
             <a:endParaRPr lang="de-AT"/>
           </a:p>
@@ -1179,7 +1180,7 @@
           <a:p>
             <a:fld id="{7224D1BD-6E5B-443D-8CD4-CAA610A5FE02}" type="datetime1">
               <a:rPr lang="de-AT" smtClean="0"/>
-              <a:t>20.06.2012</a:t>
+              <a:t>24.06.2012</a:t>
             </a:fld>
             <a:endParaRPr lang="de-AT"/>
           </a:p>
@@ -1379,7 +1380,7 @@
           <a:p>
             <a:fld id="{287144CB-DDCB-49EE-91EE-28766BCB8171}" type="datetime1">
               <a:rPr lang="de-AT" smtClean="0"/>
-              <a:t>20.06.2012</a:t>
+              <a:t>24.06.2012</a:t>
             </a:fld>
             <a:endParaRPr lang="de-AT"/>
           </a:p>
@@ -1568,7 +1569,7 @@
           <a:p>
             <a:fld id="{5BD3FB18-7775-427D-9B55-48E180BB2E54}" type="datetime1">
               <a:rPr lang="de-AT" smtClean="0"/>
-              <a:t>20.06.2012</a:t>
+              <a:t>24.06.2012</a:t>
             </a:fld>
             <a:endParaRPr lang="de-AT"/>
           </a:p>
@@ -1722,7 +1723,7 @@
           <a:p>
             <a:fld id="{78DD3ADE-3785-4F18-93E5-D04CE1BF4F96}" type="datetime1">
               <a:rPr lang="de-AT" smtClean="0"/>
-              <a:t>20.06.2012</a:t>
+              <a:t>24.06.2012</a:t>
             </a:fld>
             <a:endParaRPr lang="de-AT"/>
           </a:p>
@@ -1981,7 +1982,7 @@
           <a:p>
             <a:fld id="{6B4BE4D5-B37B-430D-9316-D39A5F551AEA}" type="datetime1">
               <a:rPr lang="de-AT" smtClean="0"/>
-              <a:t>20.06.2012</a:t>
+              <a:t>24.06.2012</a:t>
             </a:fld>
             <a:endParaRPr lang="de-AT"/>
           </a:p>
@@ -2394,7 +2395,7 @@
           <a:p>
             <a:fld id="{90B37A67-3072-4BE5-A957-F161BCF6C405}" type="datetime1">
               <a:rPr lang="de-AT" smtClean="0"/>
-              <a:t>20.06.2012</a:t>
+              <a:t>24.06.2012</a:t>
             </a:fld>
             <a:endParaRPr lang="de-AT"/>
           </a:p>
@@ -2844,7 +2845,7 @@
           <a:p>
             <a:fld id="{C41E8E6F-1D3F-4A9B-A8BD-2F663AEAB09C}" type="datetime1">
               <a:rPr lang="de-AT" smtClean="0"/>
-              <a:t>20.06.2012</a:t>
+              <a:t>24.06.2012</a:t>
             </a:fld>
             <a:endParaRPr lang="de-AT"/>
           </a:p>
@@ -2949,7 +2950,7 @@
           <a:p>
             <a:fld id="{283414CD-9CA1-4B10-B2B3-B6C29FB76E1F}" type="datetime1">
               <a:rPr lang="de-AT" smtClean="0"/>
-              <a:t>20.06.2012</a:t>
+              <a:t>24.06.2012</a:t>
             </a:fld>
             <a:endParaRPr lang="de-AT"/>
           </a:p>
@@ -3074,7 +3075,7 @@
           <a:p>
             <a:fld id="{15CB45CC-B4B7-4B18-8806-29AB1D40E213}" type="datetime1">
               <a:rPr lang="de-AT" smtClean="0"/>
-              <a:t>20.06.2012</a:t>
+              <a:t>24.06.2012</a:t>
             </a:fld>
             <a:endParaRPr lang="de-AT"/>
           </a:p>
@@ -3352,7 +3353,7 @@
           <a:p>
             <a:fld id="{D99635E6-DB72-469A-B185-0ECEDBD4D37E}" type="datetime1">
               <a:rPr lang="de-AT" smtClean="0"/>
-              <a:t>20.06.2012</a:t>
+              <a:t>24.06.2012</a:t>
             </a:fld>
             <a:endParaRPr lang="de-AT"/>
           </a:p>
@@ -3561,7 +3562,7 @@
           <a:p>
             <a:fld id="{6AD0C4C6-CC44-49CF-9962-CF2B0B85B158}" type="datetime1">
               <a:rPr lang="de-AT" smtClean="0"/>
-              <a:t>20.06.2012</a:t>
+              <a:t>24.06.2012</a:t>
             </a:fld>
             <a:endParaRPr lang="de-AT"/>
           </a:p>
@@ -4674,7 +4675,7 @@
           <a:p>
             <a:fld id="{DE43649E-427B-4BFC-BF46-9A6A86D1E91C}" type="datetime1">
               <a:rPr lang="de-AT" smtClean="0"/>
-              <a:t>20.06.2012</a:t>
+              <a:t>24.06.2012</a:t>
             </a:fld>
             <a:endParaRPr lang="de-AT"/>
           </a:p>
@@ -5185,7 +5186,7 @@
           <a:p>
             <a:fld id="{57DF52FD-EA5C-4EDE-8FE8-8296EAF3A748}" type="datetime1">
               <a:rPr lang="de-AT" smtClean="0"/>
-              <a:t>20.06.2012</a:t>
+              <a:t>24.06.2012</a:t>
             </a:fld>
             <a:endParaRPr lang="de-AT"/>
           </a:p>
@@ -5330,207 +5331,7 @@
           <a:bodyPr/>
           <a:lstStyle/>
           <a:p>
-            <a:r>
-              <a:rPr lang="de-AT" dirty="0" smtClean="0"/>
-              <a:t>SOAP </a:t>
-            </a:r>
-            <a:r>
-              <a:rPr lang="de-AT" dirty="0" err="1" smtClean="0"/>
-              <a:t>for</a:t>
-            </a:r>
-            <a:r>
-              <a:rPr lang="de-AT" dirty="0" smtClean="0"/>
-              <a:t> </a:t>
-            </a:r>
-            <a:r>
-              <a:rPr lang="de-AT" dirty="0" err="1" smtClean="0"/>
-              <a:t>communication</a:t>
-            </a:r>
-            <a:endParaRPr lang="de-AT" dirty="0" smtClean="0"/>
-          </a:p>
-          <a:p>
-            <a:pPr lvl="1"/>
-            <a:r>
-              <a:rPr lang="de-AT" dirty="0" smtClean="0"/>
-              <a:t>Solution: </a:t>
-            </a:r>
-            <a:r>
-              <a:rPr lang="de-AT" dirty="0" err="1" smtClean="0"/>
-              <a:t>Use</a:t>
-            </a:r>
-            <a:r>
-              <a:rPr lang="de-AT" dirty="0" smtClean="0"/>
-              <a:t> </a:t>
-            </a:r>
-            <a:r>
-              <a:rPr lang="de-AT" dirty="0" err="1" smtClean="0"/>
-              <a:t>RESTful</a:t>
-            </a:r>
-            <a:r>
-              <a:rPr lang="de-AT" dirty="0" smtClean="0"/>
-              <a:t> </a:t>
-            </a:r>
-            <a:r>
-              <a:rPr lang="de-AT" dirty="0" err="1" smtClean="0"/>
-              <a:t>service</a:t>
-            </a:r>
-            <a:endParaRPr lang="de-AT" dirty="0"/>
-          </a:p>
-          <a:p>
-            <a:r>
-              <a:rPr lang="de-AT" dirty="0" smtClean="0"/>
-              <a:t>Update </a:t>
-            </a:r>
-            <a:r>
-              <a:rPr lang="de-AT" dirty="0" err="1" smtClean="0"/>
-              <a:t>message</a:t>
-            </a:r>
-            <a:r>
-              <a:rPr lang="de-AT" dirty="0" smtClean="0"/>
-              <a:t> </a:t>
-            </a:r>
-            <a:r>
-              <a:rPr lang="de-AT" dirty="0" err="1" smtClean="0"/>
-              <a:t>list</a:t>
-            </a:r>
-            <a:r>
-              <a:rPr lang="de-AT" dirty="0" smtClean="0"/>
-              <a:t> </a:t>
-            </a:r>
-            <a:r>
-              <a:rPr lang="de-AT" dirty="0" err="1" smtClean="0"/>
-              <a:t>properly</a:t>
-            </a:r>
-            <a:endParaRPr lang="de-AT" dirty="0" smtClean="0"/>
-          </a:p>
-          <a:p>
-            <a:pPr lvl="1"/>
-            <a:r>
-              <a:rPr lang="de-AT" dirty="0" smtClean="0"/>
-              <a:t>Solution: </a:t>
-            </a:r>
-            <a:r>
-              <a:rPr lang="de-AT" dirty="0" err="1" smtClean="0"/>
-              <a:t>Fire</a:t>
-            </a:r>
-            <a:r>
-              <a:rPr lang="de-AT" dirty="0" smtClean="0"/>
-              <a:t> </a:t>
-            </a:r>
-            <a:r>
-              <a:rPr lang="de-AT" dirty="0" err="1" smtClean="0"/>
-              <a:t>DataChangeEvent</a:t>
-            </a:r>
-            <a:endParaRPr lang="de-AT" dirty="0" smtClean="0"/>
-          </a:p>
-          <a:p>
-            <a:r>
-              <a:rPr lang="de-AT" dirty="0" err="1" smtClean="0"/>
-              <a:t>Wrong</a:t>
-            </a:r>
-            <a:r>
-              <a:rPr lang="de-AT" dirty="0" smtClean="0"/>
-              <a:t> </a:t>
-            </a:r>
-            <a:r>
-              <a:rPr lang="de-AT" dirty="0" err="1" smtClean="0"/>
-              <a:t>listener</a:t>
-            </a:r>
-            <a:r>
-              <a:rPr lang="de-AT" dirty="0" smtClean="0"/>
-              <a:t> </a:t>
-            </a:r>
-            <a:r>
-              <a:rPr lang="de-AT" dirty="0" err="1" smtClean="0"/>
-              <a:t>method</a:t>
-            </a:r>
-            <a:endParaRPr lang="de-AT" dirty="0" smtClean="0"/>
-          </a:p>
-          <a:p>
-            <a:pPr lvl="1"/>
-            <a:r>
-              <a:rPr lang="de-AT" dirty="0" smtClean="0"/>
-              <a:t>Solution: </a:t>
-            </a:r>
-            <a:r>
-              <a:rPr lang="de-AT" dirty="0" err="1" smtClean="0"/>
-              <a:t>Use</a:t>
-            </a:r>
-            <a:r>
-              <a:rPr lang="de-AT" dirty="0" smtClean="0"/>
-              <a:t> </a:t>
-            </a:r>
-            <a:r>
-              <a:rPr lang="de-AT" dirty="0" err="1" smtClean="0"/>
-              <a:t>onStart</a:t>
-            </a:r>
-            <a:r>
-              <a:rPr lang="de-AT" dirty="0" smtClean="0"/>
-              <a:t> </a:t>
-            </a:r>
-            <a:r>
-              <a:rPr lang="de-AT" dirty="0" err="1" smtClean="0"/>
-              <a:t>instead</a:t>
-            </a:r>
-            <a:r>
-              <a:rPr lang="de-AT" dirty="0" smtClean="0"/>
-              <a:t> </a:t>
-            </a:r>
-            <a:r>
-              <a:rPr lang="de-AT" dirty="0" err="1" smtClean="0"/>
-              <a:t>of</a:t>
-            </a:r>
-            <a:r>
-              <a:rPr lang="de-AT" dirty="0" smtClean="0"/>
-              <a:t> </a:t>
-            </a:r>
-            <a:r>
-              <a:rPr lang="de-AT" dirty="0" err="1" smtClean="0"/>
-              <a:t>onCreate</a:t>
-            </a:r>
-            <a:endParaRPr lang="de-AT" dirty="0" smtClean="0"/>
-          </a:p>
-          <a:p>
-            <a:r>
-              <a:rPr lang="de-AT" dirty="0" smtClean="0"/>
-              <a:t>Non-UI Thread </a:t>
-            </a:r>
-            <a:r>
-              <a:rPr lang="de-AT" dirty="0" err="1" smtClean="0"/>
-              <a:t>tries</a:t>
-            </a:r>
-            <a:r>
-              <a:rPr lang="de-AT" dirty="0" smtClean="0"/>
-              <a:t> </a:t>
-            </a:r>
-            <a:r>
-              <a:rPr lang="de-AT" dirty="0" err="1" smtClean="0"/>
-              <a:t>to</a:t>
-            </a:r>
-            <a:r>
-              <a:rPr lang="de-AT" dirty="0" smtClean="0"/>
-              <a:t> </a:t>
-            </a:r>
-            <a:r>
-              <a:rPr lang="de-AT" dirty="0" err="1" smtClean="0"/>
-              <a:t>manipulate</a:t>
-            </a:r>
-            <a:r>
-              <a:rPr lang="de-AT" dirty="0" smtClean="0"/>
-              <a:t> UI</a:t>
-            </a:r>
-          </a:p>
-          <a:p>
-            <a:pPr lvl="1"/>
-            <a:r>
-              <a:rPr lang="de-AT" dirty="0" smtClean="0"/>
-              <a:t>Solution: </a:t>
-            </a:r>
-            <a:r>
-              <a:rPr lang="de-AT" smtClean="0"/>
-              <a:t>runOnUiThread</a:t>
-            </a:r>
-            <a:endParaRPr lang="de-AT" dirty="0" smtClean="0"/>
+            <a:endParaRPr lang="de-AT"/>
           </a:p>
         </p:txBody>
       </p:sp>
@@ -5551,7 +5352,7 @@
           <a:p>
             <a:fld id="{78DD3ADE-3785-4F18-93E5-D04CE1BF4F96}" type="datetime1">
               <a:rPr lang="de-AT" smtClean="0"/>
-              <a:t>20.06.2012</a:t>
+              <a:t>24.06.2012</a:t>
             </a:fld>
             <a:endParaRPr lang="de-AT"/>
           </a:p>
@@ -5619,17 +5420,53 @@
           <a:lstStyle/>
           <a:p>
             <a:r>
-              <a:rPr lang="de-AT" dirty="0" smtClean="0"/>
-              <a:t>Problems &amp; Solutions</a:t>
+              <a:rPr lang="de-AT" dirty="0" err="1" smtClean="0"/>
+              <a:t>Architecture</a:t>
             </a:r>
             <a:endParaRPr lang="de-AT" dirty="0"/>
           </a:p>
         </p:txBody>
       </p:sp>
+      <p:pic>
+        <p:nvPicPr>
+          <p:cNvPr id="7" name="Grafik 6"/>
+          <p:cNvPicPr/>
+          <p:nvPr/>
+        </p:nvPicPr>
+        <p:blipFill rotWithShape="1">
+          <a:blip r:embed="rId2">
+            <a:extLst>
+              <a:ext uri="{28A0092B-C50C-407E-A947-70E740481C1C}">
+                <a14:useLocalDpi xmlns:a14="http://schemas.microsoft.com/office/drawing/2010/main" val="0"/>
+              </a:ext>
+            </a:extLst>
+          </a:blip>
+          <a:srcRect l="4971" t="5792" r="4386" b="2896"/>
+          <a:stretch/>
+        </p:blipFill>
+        <p:spPr bwMode="auto">
+          <a:xfrm>
+            <a:off x="3851920" y="188640"/>
+            <a:ext cx="4896544" cy="6480720"/>
+          </a:xfrm>
+          <a:prstGeom prst="rect">
+            <a:avLst/>
+          </a:prstGeom>
+          <a:noFill/>
+          <a:ln>
+            <a:noFill/>
+          </a:ln>
+          <a:extLst>
+            <a:ext uri="{53640926-AAD7-44D8-BBD7-CCE9431645EC}">
+              <a14:shadowObscured xmlns:a14="http://schemas.microsoft.com/office/drawing/2010/main"/>
+            </a:ext>
+          </a:extLst>
+        </p:spPr>
+      </p:pic>
     </p:spTree>
     <p:extLst>
       <p:ext uri="{BB962C8B-B14F-4D97-AF65-F5344CB8AC3E}">
-        <p14:creationId xmlns:p14="http://schemas.microsoft.com/office/powerpoint/2010/main" val="512061247"/>
+        <p14:creationId xmlns:p14="http://schemas.microsoft.com/office/powerpoint/2010/main" val="3250631394"/>
       </p:ext>
     </p:extLst>
   </p:cSld>
@@ -5665,6 +5502,225 @@
       </p:grpSpPr>
       <p:sp>
         <p:nvSpPr>
+          <p:cNvPr id="2" name="Inhaltsplatzhalter 1"/>
+          <p:cNvSpPr>
+            <a:spLocks noGrp="1"/>
+          </p:cNvSpPr>
+          <p:nvPr>
+            <p:ph idx="1"/>
+          </p:nvPr>
+        </p:nvSpPr>
+        <p:spPr/>
+        <p:txBody>
+          <a:bodyPr/>
+          <a:lstStyle/>
+          <a:p>
+            <a:r>
+              <a:rPr lang="de-AT" dirty="0" smtClean="0"/>
+              <a:t>SOAP </a:t>
+            </a:r>
+            <a:r>
+              <a:rPr lang="de-AT" dirty="0" err="1" smtClean="0"/>
+              <a:t>for</a:t>
+            </a:r>
+            <a:r>
+              <a:rPr lang="de-AT" dirty="0" smtClean="0"/>
+              <a:t> </a:t>
+            </a:r>
+            <a:r>
+              <a:rPr lang="de-AT" dirty="0" err="1" smtClean="0"/>
+              <a:t>communication</a:t>
+            </a:r>
+            <a:endParaRPr lang="de-AT" dirty="0" smtClean="0"/>
+          </a:p>
+          <a:p>
+            <a:pPr lvl="1"/>
+            <a:r>
+              <a:rPr lang="de-AT" dirty="0" smtClean="0"/>
+              <a:t>Solution: </a:t>
+            </a:r>
+            <a:r>
+              <a:rPr lang="de-AT" dirty="0" err="1" smtClean="0"/>
+              <a:t>Use</a:t>
+            </a:r>
+            <a:r>
+              <a:rPr lang="de-AT" dirty="0" smtClean="0"/>
+              <a:t> </a:t>
+            </a:r>
+            <a:r>
+              <a:rPr lang="de-AT" dirty="0" err="1" smtClean="0"/>
+              <a:t>RESTful</a:t>
+            </a:r>
+            <a:r>
+              <a:rPr lang="de-AT" dirty="0" smtClean="0"/>
+              <a:t> </a:t>
+            </a:r>
+            <a:r>
+              <a:rPr lang="de-AT" dirty="0" err="1" smtClean="0"/>
+              <a:t>service</a:t>
+            </a:r>
+            <a:endParaRPr lang="de-AT" dirty="0"/>
+          </a:p>
+          <a:p>
+            <a:r>
+              <a:rPr lang="de-AT" dirty="0" smtClean="0"/>
+              <a:t>Update </a:t>
+            </a:r>
+            <a:r>
+              <a:rPr lang="de-AT" dirty="0" err="1" smtClean="0"/>
+              <a:t>message</a:t>
+            </a:r>
+            <a:r>
+              <a:rPr lang="de-AT" dirty="0" smtClean="0"/>
+              <a:t> </a:t>
+            </a:r>
+            <a:r>
+              <a:rPr lang="de-AT" dirty="0" err="1" smtClean="0"/>
+              <a:t>list</a:t>
+            </a:r>
+            <a:r>
+              <a:rPr lang="de-AT" dirty="0" smtClean="0"/>
+              <a:t> </a:t>
+            </a:r>
+            <a:r>
+              <a:rPr lang="de-AT" dirty="0" err="1" smtClean="0"/>
+              <a:t>properly</a:t>
+            </a:r>
+            <a:endParaRPr lang="de-AT" dirty="0" smtClean="0"/>
+          </a:p>
+          <a:p>
+            <a:pPr lvl="1"/>
+            <a:r>
+              <a:rPr lang="de-AT" dirty="0" smtClean="0"/>
+              <a:t>Solution: </a:t>
+            </a:r>
+            <a:r>
+              <a:rPr lang="de-AT" dirty="0" err="1" smtClean="0"/>
+              <a:t>Fire</a:t>
+            </a:r>
+            <a:r>
+              <a:rPr lang="de-AT" dirty="0" smtClean="0"/>
+              <a:t> </a:t>
+            </a:r>
+            <a:r>
+              <a:rPr lang="de-AT" dirty="0" err="1" smtClean="0"/>
+              <a:t>DataChangeEvent</a:t>
+            </a:r>
+            <a:endParaRPr lang="de-AT" dirty="0" smtClean="0"/>
+          </a:p>
+          <a:p>
+            <a:r>
+              <a:rPr lang="de-AT" dirty="0" err="1" smtClean="0"/>
+              <a:t>Wrong</a:t>
+            </a:r>
+            <a:r>
+              <a:rPr lang="de-AT" dirty="0" smtClean="0"/>
+              <a:t> </a:t>
+            </a:r>
+            <a:r>
+              <a:rPr lang="de-AT" dirty="0" err="1" smtClean="0"/>
+              <a:t>listener</a:t>
+            </a:r>
+            <a:r>
+              <a:rPr lang="de-AT" dirty="0" smtClean="0"/>
+              <a:t> </a:t>
+            </a:r>
+            <a:r>
+              <a:rPr lang="de-AT" dirty="0" err="1" smtClean="0"/>
+              <a:t>method</a:t>
+            </a:r>
+            <a:endParaRPr lang="de-AT" dirty="0" smtClean="0"/>
+          </a:p>
+          <a:p>
+            <a:pPr lvl="1"/>
+            <a:r>
+              <a:rPr lang="de-AT" dirty="0" smtClean="0"/>
+              <a:t>Solution: </a:t>
+            </a:r>
+            <a:r>
+              <a:rPr lang="de-AT" dirty="0" err="1" smtClean="0"/>
+              <a:t>Use</a:t>
+            </a:r>
+            <a:r>
+              <a:rPr lang="de-AT" dirty="0" smtClean="0"/>
+              <a:t> </a:t>
+            </a:r>
+            <a:r>
+              <a:rPr lang="de-AT" dirty="0" err="1" smtClean="0"/>
+              <a:t>onStart</a:t>
+            </a:r>
+            <a:r>
+              <a:rPr lang="de-AT" dirty="0" smtClean="0"/>
+              <a:t> </a:t>
+            </a:r>
+            <a:r>
+              <a:rPr lang="de-AT" dirty="0" err="1" smtClean="0"/>
+              <a:t>instead</a:t>
+            </a:r>
+            <a:r>
+              <a:rPr lang="de-AT" dirty="0" smtClean="0"/>
+              <a:t> </a:t>
+            </a:r>
+            <a:r>
+              <a:rPr lang="de-AT" dirty="0" err="1" smtClean="0"/>
+              <a:t>of</a:t>
+            </a:r>
+            <a:r>
+              <a:rPr lang="de-AT" dirty="0" smtClean="0"/>
+              <a:t> </a:t>
+            </a:r>
+            <a:r>
+              <a:rPr lang="de-AT" dirty="0" err="1" smtClean="0"/>
+              <a:t>onCreate</a:t>
+            </a:r>
+            <a:endParaRPr lang="de-AT" dirty="0" smtClean="0"/>
+          </a:p>
+          <a:p>
+            <a:r>
+              <a:rPr lang="de-AT" dirty="0" smtClean="0"/>
+              <a:t>Non-UI Thread </a:t>
+            </a:r>
+            <a:r>
+              <a:rPr lang="de-AT" dirty="0" err="1" smtClean="0"/>
+              <a:t>tries</a:t>
+            </a:r>
+            <a:r>
+              <a:rPr lang="de-AT" dirty="0" smtClean="0"/>
+              <a:t> </a:t>
+            </a:r>
+            <a:r>
+              <a:rPr lang="de-AT" dirty="0" err="1" smtClean="0"/>
+              <a:t>to</a:t>
+            </a:r>
+            <a:r>
+              <a:rPr lang="de-AT" dirty="0" smtClean="0"/>
+              <a:t> </a:t>
+            </a:r>
+            <a:r>
+              <a:rPr lang="de-AT" dirty="0" err="1" smtClean="0"/>
+              <a:t>manipulate</a:t>
+            </a:r>
+            <a:r>
+              <a:rPr lang="de-AT" dirty="0" smtClean="0"/>
+              <a:t> UI</a:t>
+            </a:r>
+          </a:p>
+          <a:p>
+            <a:pPr lvl="1"/>
+            <a:r>
+              <a:rPr lang="de-AT" dirty="0" smtClean="0"/>
+              <a:t>Solution: </a:t>
+            </a:r>
+            <a:r>
+              <a:rPr lang="de-AT" smtClean="0"/>
+              <a:t>runOnUiThread</a:t>
+            </a:r>
+            <a:endParaRPr lang="de-AT" dirty="0" smtClean="0"/>
+          </a:p>
+        </p:txBody>
+      </p:sp>
+      <p:sp>
+        <p:nvSpPr>
           <p:cNvPr id="3" name="Datumsplatzhalter 2"/>
           <p:cNvSpPr>
             <a:spLocks noGrp="1"/>
@@ -5680,7 +5736,7 @@
           <a:p>
             <a:fld id="{78DD3ADE-3785-4F18-93E5-D04CE1BF4F96}" type="datetime1">
               <a:rPr lang="de-AT" smtClean="0"/>
-              <a:t>20.06.2012</a:t>
+              <a:t>24.06.2012</a:t>
             </a:fld>
             <a:endParaRPr lang="de-AT"/>
           </a:p>
@@ -5727,6 +5783,135 @@
             <a:fld id="{7FD37885-C7C4-4F02-9B7A-A7BC84AC6AA0}" type="slidenum">
               <a:rPr lang="de-AT" smtClean="0"/>
               <a:t>11</a:t>
+            </a:fld>
+            <a:endParaRPr lang="de-AT"/>
+          </a:p>
+        </p:txBody>
+      </p:sp>
+      <p:sp>
+        <p:nvSpPr>
+          <p:cNvPr id="6" name="Titel 5"/>
+          <p:cNvSpPr>
+            <a:spLocks noGrp="1"/>
+          </p:cNvSpPr>
+          <p:nvPr>
+            <p:ph type="title"/>
+          </p:nvPr>
+        </p:nvSpPr>
+        <p:spPr/>
+        <p:txBody>
+          <a:bodyPr/>
+          <a:lstStyle/>
+          <a:p>
+            <a:r>
+              <a:rPr lang="de-AT" dirty="0" smtClean="0"/>
+              <a:t>Problems &amp; Solutions</a:t>
+            </a:r>
+            <a:endParaRPr lang="de-AT" dirty="0"/>
+          </a:p>
+        </p:txBody>
+      </p:sp>
+    </p:spTree>
+    <p:extLst>
+      <p:ext uri="{BB962C8B-B14F-4D97-AF65-F5344CB8AC3E}">
+        <p14:creationId xmlns:p14="http://schemas.microsoft.com/office/powerpoint/2010/main" val="512061247"/>
+      </p:ext>
+    </p:extLst>
+  </p:cSld>
+  <p:clrMapOvr>
+    <a:masterClrMapping/>
+  </p:clrMapOvr>
+  <p:timing>
+    <p:tnLst>
+      <p:par>
+        <p:cTn id="1" dur="indefinite" restart="never" nodeType="tmRoot"/>
+      </p:par>
+    </p:tnLst>
+  </p:timing>
+</p:sld>
+</file>
+
+<file path=ppt/slides/slide12.xml><?xml version="1.0" encoding="utf-8"?>
+<p:sld xmlns:a="http://schemas.openxmlformats.org/drawingml/2006/main" xmlns:r="http://schemas.openxmlformats.org/officeDocument/2006/relationships" xmlns:p="http://schemas.openxmlformats.org/presentationml/2006/main">
+  <p:cSld>
+    <p:spTree>
+      <p:nvGrpSpPr>
+        <p:cNvPr id="1" name=""/>
+        <p:cNvGrpSpPr/>
+        <p:nvPr/>
+      </p:nvGrpSpPr>
+      <p:grpSpPr>
+        <a:xfrm>
+          <a:off x="0" y="0"/>
+          <a:ext cx="0" cy="0"/>
+          <a:chOff x="0" y="0"/>
+          <a:chExt cx="0" cy="0"/>
+        </a:xfrm>
+      </p:grpSpPr>
+      <p:sp>
+        <p:nvSpPr>
+          <p:cNvPr id="3" name="Datumsplatzhalter 2"/>
+          <p:cNvSpPr>
+            <a:spLocks noGrp="1"/>
+          </p:cNvSpPr>
+          <p:nvPr>
+            <p:ph type="dt" sz="half" idx="10"/>
+          </p:nvPr>
+        </p:nvSpPr>
+        <p:spPr/>
+        <p:txBody>
+          <a:bodyPr/>
+          <a:lstStyle/>
+          <a:p>
+            <a:fld id="{78DD3ADE-3785-4F18-93E5-D04CE1BF4F96}" type="datetime1">
+              <a:rPr lang="de-AT" smtClean="0"/>
+              <a:t>24.06.2012</a:t>
+            </a:fld>
+            <a:endParaRPr lang="de-AT"/>
+          </a:p>
+        </p:txBody>
+      </p:sp>
+      <p:sp>
+        <p:nvSpPr>
+          <p:cNvPr id="4" name="Fußzeilenplatzhalter 3"/>
+          <p:cNvSpPr>
+            <a:spLocks noGrp="1"/>
+          </p:cNvSpPr>
+          <p:nvPr>
+            <p:ph type="ftr" sz="quarter" idx="11"/>
+          </p:nvPr>
+        </p:nvSpPr>
+        <p:spPr/>
+        <p:txBody>
+          <a:bodyPr/>
+          <a:lstStyle/>
+          <a:p>
+            <a:r>
+              <a:rPr lang="de-AT" smtClean="0"/>
+              <a:t>Luuk Wullink, Michael Sieber</a:t>
+            </a:r>
+            <a:endParaRPr lang="de-AT"/>
+          </a:p>
+        </p:txBody>
+      </p:sp>
+      <p:sp>
+        <p:nvSpPr>
+          <p:cNvPr id="5" name="Foliennummernplatzhalter 4"/>
+          <p:cNvSpPr>
+            <a:spLocks noGrp="1"/>
+          </p:cNvSpPr>
+          <p:nvPr>
+            <p:ph type="sldNum" sz="quarter" idx="12"/>
+          </p:nvPr>
+        </p:nvSpPr>
+        <p:spPr/>
+        <p:txBody>
+          <a:bodyPr/>
+          <a:lstStyle/>
+          <a:p>
+            <a:fld id="{7FD37885-C7C4-4F02-9B7A-A7BC84AC6AA0}" type="slidenum">
+              <a:rPr lang="de-AT" smtClean="0"/>
+              <a:t>12</a:t>
             </a:fld>
             <a:endParaRPr lang="de-AT"/>
           </a:p>
@@ -5907,7 +6092,7 @@
           <a:p>
             <a:fld id="{78DD3ADE-3785-4F18-93E5-D04CE1BF4F96}" type="datetime1">
               <a:rPr lang="de-AT" smtClean="0"/>
-              <a:t>20.06.2012</a:t>
+              <a:t>24.06.2012</a:t>
             </a:fld>
             <a:endParaRPr lang="de-AT"/>
           </a:p>
@@ -6090,7 +6275,7 @@
           <a:p>
             <a:fld id="{78DD3ADE-3785-4F18-93E5-D04CE1BF4F96}" type="datetime1">
               <a:rPr lang="de-AT" smtClean="0"/>
-              <a:t>20.06.2012</a:t>
+              <a:t>24.06.2012</a:t>
             </a:fld>
             <a:endParaRPr lang="de-AT"/>
           </a:p>
@@ -6254,7 +6439,7 @@
           <a:graphicData uri="http://schemas.openxmlformats.org/presentationml/2006/ole">
             <mc:AlternateContent xmlns:mc="http://schemas.openxmlformats.org/markup-compatibility/2006">
               <mc:Choice xmlns:v="urn:schemas-microsoft-com:vml" Requires="v">
-                <p:oleObj spid="_x0000_s1045" name="Visio" r:id="rId3" imgW="6167609" imgH="4817505" progId="Visio.Drawing.11">
+                <p:oleObj spid="_x0000_s1047" name="Visio" r:id="rId3" imgW="6167609" imgH="4817505" progId="Visio.Drawing.11">
                   <p:embed/>
                 </p:oleObj>
               </mc:Choice>
@@ -6470,7 +6655,7 @@
           <a:p>
             <a:fld id="{78DD3ADE-3785-4F18-93E5-D04CE1BF4F96}" type="datetime1">
               <a:rPr lang="de-AT" smtClean="0"/>
-              <a:t>20.06.2012</a:t>
+              <a:t>24.06.2012</a:t>
             </a:fld>
             <a:endParaRPr lang="de-AT"/>
           </a:p>
@@ -6694,7 +6879,7 @@
           <a:p>
             <a:fld id="{78DD3ADE-3785-4F18-93E5-D04CE1BF4F96}" type="datetime1">
               <a:rPr lang="de-AT" smtClean="0"/>
-              <a:t>20.06.2012</a:t>
+              <a:t>24.06.2012</a:t>
             </a:fld>
             <a:endParaRPr lang="de-AT"/>
           </a:p>
@@ -6914,7 +7099,7 @@
           <a:p>
             <a:fld id="{78DD3ADE-3785-4F18-93E5-D04CE1BF4F96}" type="datetime1">
               <a:rPr lang="de-AT" smtClean="0"/>
-              <a:t>20.06.2012</a:t>
+              <a:t>24.06.2012</a:t>
             </a:fld>
             <a:endParaRPr lang="de-AT"/>
           </a:p>
@@ -7043,7 +7228,7 @@
           <a:p>
             <a:fld id="{78DD3ADE-3785-4F18-93E5-D04CE1BF4F96}" type="datetime1">
               <a:rPr lang="de-AT" smtClean="0"/>
-              <a:t>20.06.2012</a:t>
+              <a:t>24.06.2012</a:t>
             </a:fld>
             <a:endParaRPr lang="de-AT"/>
           </a:p>
@@ -7210,28 +7395,36 @@
           <a:lstStyle/>
           <a:p>
             <a:r>
+              <a:rPr lang="de-AT" dirty="0" smtClean="0"/>
+              <a:t>UMTS (384 </a:t>
+            </a:r>
+            <a:r>
               <a:rPr lang="de-AT" dirty="0" err="1" smtClean="0"/>
-              <a:t>Tomcat</a:t>
+              <a:t>kbit</a:t>
             </a:r>
             <a:r>
               <a:rPr lang="de-AT" dirty="0" smtClean="0"/>
-              <a:t> 6</a:t>
-            </a:r>
-          </a:p>
-          <a:p>
+              <a:t>/s), HSPA (14,4 </a:t>
+            </a:r>
+            <a:r>
+              <a:rPr lang="de-AT" dirty="0" err="1" smtClean="0"/>
+              <a:t>Mbit</a:t>
+            </a:r>
             <a:r>
               <a:rPr lang="de-AT" dirty="0" smtClean="0"/>
-              <a:t>Jersey JAX-RS Framework</a:t>
-            </a:r>
-          </a:p>
-          <a:p>
-            <a:r>
-              <a:rPr lang="de-AT" dirty="0" smtClean="0"/>
-              <a:t>Google </a:t>
-            </a:r>
+              <a:t>/s)</a:t>
+            </a:r>
+          </a:p>
+          <a:p>
+            <a:pPr marL="109728" indent="0">
+              <a:buNone/>
+            </a:pPr>
+            <a:endParaRPr lang="de-AT" dirty="0" smtClean="0"/>
+          </a:p>
+          <a:p>
             <a:r>
               <a:rPr lang="de-AT" dirty="0" err="1" smtClean="0"/>
-              <a:t>Guava</a:t>
+              <a:t>Sending</a:t>
             </a:r>
             <a:r>
               <a:rPr lang="de-AT" dirty="0" smtClean="0"/>
@@ -7239,15 +7432,17 @@
             </a:r>
             <a:r>
               <a:rPr lang="de-AT" dirty="0" err="1" smtClean="0"/>
-              <a:t>for</a:t>
+              <a:t>message</a:t>
             </a:r>
             <a:r>
               <a:rPr lang="de-AT" dirty="0" smtClean="0"/>
-              <a:t> Caching (</a:t>
-            </a:r>
+              <a:t>: ~5kbit/s</a:t>
+            </a:r>
+          </a:p>
+          <a:p>
             <a:r>
               <a:rPr lang="de-AT" dirty="0" err="1" smtClean="0"/>
-              <a:t>with</a:t>
+              <a:t>Receiving</a:t>
             </a:r>
             <a:r>
               <a:rPr lang="de-AT" dirty="0" smtClean="0"/>
@@ -7255,49 +7450,15 @@
             </a:r>
             <a:r>
               <a:rPr lang="de-AT" dirty="0" err="1" smtClean="0"/>
-              <a:t>expiration</a:t>
+              <a:t>message</a:t>
+            </a:r>
+            <a:r>
+              <a:rPr lang="de-AT" smtClean="0"/>
+              <a:t>: min. </a:t>
             </a:r>
             <a:r>
               <a:rPr lang="de-AT" dirty="0" smtClean="0"/>
-              <a:t>)</a:t>
-            </a:r>
-          </a:p>
-          <a:p>
-            <a:r>
-              <a:rPr lang="de-AT" dirty="0" err="1" smtClean="0"/>
-              <a:t>Haversine</a:t>
-            </a:r>
-            <a:r>
-              <a:rPr lang="de-AT" dirty="0" smtClean="0"/>
-              <a:t> </a:t>
-            </a:r>
-            <a:r>
-              <a:rPr lang="de-AT" dirty="0" err="1" smtClean="0"/>
-              <a:t>algorithm</a:t>
-            </a:r>
-            <a:r>
-              <a:rPr lang="de-AT" dirty="0" smtClean="0"/>
-              <a:t> </a:t>
-            </a:r>
-            <a:r>
-              <a:rPr lang="de-AT" dirty="0" err="1" smtClean="0"/>
-              <a:t>for</a:t>
-            </a:r>
-            <a:r>
-              <a:rPr lang="de-AT" dirty="0" smtClean="0"/>
-              <a:t> </a:t>
-            </a:r>
-            <a:r>
-              <a:rPr lang="de-AT" dirty="0" err="1" smtClean="0"/>
-              <a:t>distance</a:t>
-            </a:r>
-            <a:r>
-              <a:rPr lang="de-AT" dirty="0" smtClean="0"/>
-              <a:t> </a:t>
-            </a:r>
-            <a:r>
-              <a:rPr lang="de-AT" dirty="0" err="1" smtClean="0"/>
-              <a:t>calculation</a:t>
+              <a:t>5kbit/s</a:t>
             </a:r>
             <a:endParaRPr lang="de-AT" dirty="0"/>
           </a:p>
@@ -7320,7 +7481,7 @@
           <a:p>
             <a:fld id="{78DD3ADE-3785-4F18-93E5-D04CE1BF4F96}" type="datetime1">
               <a:rPr lang="de-AT" smtClean="0"/>
-              <a:t>20.06.2012</a:t>
+              <a:t>24.06.2012</a:t>
             </a:fld>
             <a:endParaRPr lang="de-AT"/>
           </a:p>
@@ -7388,8 +7549,8 @@
           <a:lstStyle/>
           <a:p>
             <a:r>
-              <a:rPr lang="de-AT" dirty="0" smtClean="0"/>
-              <a:t>Server</a:t>
+              <a:rPr lang="de-AT" dirty="0" err="1" smtClean="0"/>
+              <a:t>Bandwidth</a:t>
             </a:r>
             <a:endParaRPr lang="de-AT" dirty="0"/>
           </a:p>
@@ -7398,20 +7559,13 @@
     </p:spTree>
     <p:extLst>
       <p:ext uri="{BB962C8B-B14F-4D97-AF65-F5344CB8AC3E}">
-        <p14:creationId xmlns:p14="http://schemas.microsoft.com/office/powerpoint/2010/main" val="3092154114"/>
+        <p14:creationId xmlns:p14="http://schemas.microsoft.com/office/powerpoint/2010/main" val="3319420955"/>
       </p:ext>
     </p:extLst>
   </p:cSld>
   <p:clrMapOvr>
     <a:masterClrMapping/>
   </p:clrMapOvr>
-  <p:timing>
-    <p:tnLst>
-      <p:par>
-        <p:cTn id="1" dur="indefinite" restart="never" nodeType="tmRoot"/>
-      </p:par>
-    </p:tnLst>
-  </p:timing>
 </p:sld>
 </file>
 
@@ -7447,7 +7601,97 @@
           <a:bodyPr/>
           <a:lstStyle/>
           <a:p>
-            <a:endParaRPr lang="de-AT"/>
+            <a:r>
+              <a:rPr lang="de-AT" dirty="0" err="1" smtClean="0"/>
+              <a:t>Tomcat</a:t>
+            </a:r>
+            <a:r>
+              <a:rPr lang="de-AT" dirty="0" smtClean="0"/>
+              <a:t> 6</a:t>
+            </a:r>
+          </a:p>
+          <a:p>
+            <a:r>
+              <a:rPr lang="de-AT" dirty="0" smtClean="0"/>
+              <a:t>Jersey JAX-RS Framework</a:t>
+            </a:r>
+          </a:p>
+          <a:p>
+            <a:r>
+              <a:rPr lang="de-AT" dirty="0" smtClean="0"/>
+              <a:t>Google </a:t>
+            </a:r>
+            <a:r>
+              <a:rPr lang="de-AT" dirty="0" err="1" smtClean="0"/>
+              <a:t>Guava</a:t>
+            </a:r>
+            <a:r>
+              <a:rPr lang="de-AT" dirty="0" smtClean="0"/>
+              <a:t> </a:t>
+            </a:r>
+            <a:r>
+              <a:rPr lang="de-AT" dirty="0" err="1" smtClean="0"/>
+              <a:t>for</a:t>
+            </a:r>
+            <a:r>
+              <a:rPr lang="de-AT" dirty="0" smtClean="0"/>
+              <a:t> Caching (</a:t>
+            </a:r>
+            <a:r>
+              <a:rPr lang="de-AT" dirty="0" err="1" smtClean="0"/>
+              <a:t>with</a:t>
+            </a:r>
+            <a:r>
+              <a:rPr lang="de-AT" dirty="0" smtClean="0"/>
+              <a:t> </a:t>
+            </a:r>
+            <a:r>
+              <a:rPr lang="de-AT" dirty="0" err="1" smtClean="0"/>
+              <a:t>expiration</a:t>
+            </a:r>
+            <a:r>
+              <a:rPr lang="de-AT" dirty="0" smtClean="0"/>
+              <a:t>)</a:t>
+            </a:r>
+          </a:p>
+          <a:p>
+            <a:r>
+              <a:rPr lang="de-AT" dirty="0" err="1" smtClean="0"/>
+              <a:t>Haversine</a:t>
+            </a:r>
+            <a:r>
+              <a:rPr lang="de-AT" dirty="0" smtClean="0"/>
+              <a:t> </a:t>
+            </a:r>
+            <a:r>
+              <a:rPr lang="de-AT" dirty="0" err="1" smtClean="0"/>
+              <a:t>algorithm</a:t>
+            </a:r>
+            <a:r>
+              <a:rPr lang="de-AT" dirty="0" smtClean="0"/>
+              <a:t> </a:t>
+            </a:r>
+            <a:r>
+              <a:rPr lang="de-AT" dirty="0" err="1" smtClean="0"/>
+              <a:t>for</a:t>
+            </a:r>
+            <a:r>
+              <a:rPr lang="de-AT" dirty="0" smtClean="0"/>
+              <a:t> </a:t>
+            </a:r>
+            <a:r>
+              <a:rPr lang="de-AT" dirty="0" err="1" smtClean="0"/>
+              <a:t>distance</a:t>
+            </a:r>
+            <a:r>
+              <a:rPr lang="de-AT" dirty="0" smtClean="0"/>
+              <a:t> </a:t>
+            </a:r>
+            <a:r>
+              <a:rPr lang="de-AT" dirty="0" err="1" smtClean="0"/>
+              <a:t>calculation</a:t>
+            </a:r>
+            <a:endParaRPr lang="de-AT" dirty="0"/>
           </a:p>
         </p:txBody>
       </p:sp>
@@ -7468,7 +7712,7 @@
           <a:p>
             <a:fld id="{78DD3ADE-3785-4F18-93E5-D04CE1BF4F96}" type="datetime1">
               <a:rPr lang="de-AT" smtClean="0"/>
-              <a:t>20.06.2012</a:t>
+              <a:t>24.06.2012</a:t>
             </a:fld>
             <a:endParaRPr lang="de-AT"/>
           </a:p>
@@ -7536,53 +7780,17 @@
           <a:lstStyle/>
           <a:p>
             <a:r>
-              <a:rPr lang="de-AT" dirty="0" err="1" smtClean="0"/>
-              <a:t>Architecture</a:t>
+              <a:rPr lang="de-AT" dirty="0" smtClean="0"/>
+              <a:t>Server</a:t>
             </a:r>
             <a:endParaRPr lang="de-AT" dirty="0"/>
           </a:p>
         </p:txBody>
       </p:sp>
-      <p:pic>
-        <p:nvPicPr>
-          <p:cNvPr id="7" name="Grafik 6"/>
-          <p:cNvPicPr/>
-          <p:nvPr/>
-        </p:nvPicPr>
-        <p:blipFill rotWithShape="1">
-          <a:blip r:embed="rId2">
-            <a:extLst>
-              <a:ext uri="{28A0092B-C50C-407E-A947-70E740481C1C}">
-                <a14:useLocalDpi xmlns:a14="http://schemas.microsoft.com/office/drawing/2010/main" val="0"/>
-              </a:ext>
-            </a:extLst>
-          </a:blip>
-          <a:srcRect l="4971" t="5792" r="4386" b="2896"/>
-          <a:stretch/>
-        </p:blipFill>
-        <p:spPr bwMode="auto">
-          <a:xfrm>
-            <a:off x="3851920" y="188640"/>
-            <a:ext cx="4896544" cy="6480720"/>
-          </a:xfrm>
-          <a:prstGeom prst="rect">
-            <a:avLst/>
-          </a:prstGeom>
-          <a:noFill/>
-          <a:ln>
-            <a:noFill/>
-          </a:ln>
-          <a:extLst>
-            <a:ext uri="{53640926-AAD7-44D8-BBD7-CCE9431645EC}">
-              <a14:shadowObscured xmlns:a14="http://schemas.microsoft.com/office/drawing/2010/main"/>
-            </a:ext>
-          </a:extLst>
-        </p:spPr>
-      </p:pic>
     </p:spTree>
     <p:extLst>
       <p:ext uri="{BB962C8B-B14F-4D97-AF65-F5344CB8AC3E}">
-        <p14:creationId xmlns:p14="http://schemas.microsoft.com/office/powerpoint/2010/main" val="3250631394"/>
+        <p14:creationId xmlns:p14="http://schemas.microsoft.com/office/powerpoint/2010/main" val="3092154114"/>
       </p:ext>
     </p:extLst>
   </p:cSld>
